--- a/Explanatory note/presentation.pptx
+++ b/Explanatory note/presentation.pptx
@@ -6057,8 +6057,12 @@
           <a:lstStyle/>
           <a:p>
             <a:r>
+              <a:rPr lang="ru-RU" sz="3200"/>
+              <a:t>Разработка </a:t>
+            </a:r>
+            <a:r>
               <a:rPr lang="ru-RU" sz="3200" dirty="0"/>
-              <a:t>Разработка информационной системы для генератора билетов </a:t>
+              <a:t>генератора билетов </a:t>
             </a:r>
             <a:r>
               <a:rPr lang="ru-RU" sz="3200"/>
